--- a/elmélet/machine_learning.pptx
+++ b/elmélet/machine_learning.pptx
@@ -288,7 +288,7 @@
             <a:fld id="{87DE6118-2437-4B30-8E3C-4D2BE6020583}" type="datetimeFigureOut">
               <a:rPr lang="en-US" smtClean="0"/>
               <a:pPr/>
-              <a:t>8/19/23</a:t>
+              <a:t>8/31/23</a:t>
             </a:fld>
             <a:endParaRPr lang="en-US" dirty="0"/>
           </a:p>
@@ -619,7 +619,7 @@
           <a:p>
             <a:fld id="{87DE6118-2437-4B30-8E3C-4D2BE6020583}" type="datetimeFigureOut">
               <a:rPr lang="en-US" smtClean="0"/>
-              <a:t>8/19/23</a:t>
+              <a:t>8/31/23</a:t>
             </a:fld>
             <a:endParaRPr lang="en-US" dirty="0"/>
           </a:p>
@@ -799,7 +799,7 @@
           <a:p>
             <a:fld id="{87DE6118-2437-4B30-8E3C-4D2BE6020583}" type="datetimeFigureOut">
               <a:rPr lang="en-US" smtClean="0"/>
-              <a:t>8/19/23</a:t>
+              <a:t>8/31/23</a:t>
             </a:fld>
             <a:endParaRPr lang="en-US" dirty="0"/>
           </a:p>
@@ -969,7 +969,7 @@
           <a:p>
             <a:fld id="{87DE6118-2437-4B30-8E3C-4D2BE6020583}" type="datetimeFigureOut">
               <a:rPr lang="en-US" smtClean="0"/>
-              <a:t>8/19/23</a:t>
+              <a:t>8/31/23</a:t>
             </a:fld>
             <a:endParaRPr lang="en-US" dirty="0"/>
           </a:p>
@@ -1247,7 +1247,7 @@
             <a:fld id="{87DE6118-2437-4B30-8E3C-4D2BE6020583}" type="datetimeFigureOut">
               <a:rPr lang="en-US" smtClean="0"/>
               <a:pPr/>
-              <a:t>8/19/23</a:t>
+              <a:t>8/31/23</a:t>
             </a:fld>
             <a:endParaRPr lang="en-US" dirty="0"/>
           </a:p>
@@ -1642,7 +1642,7 @@
           <a:p>
             <a:fld id="{87DE6118-2437-4B30-8E3C-4D2BE6020583}" type="datetimeFigureOut">
               <a:rPr lang="en-US" smtClean="0"/>
-              <a:t>8/19/23</a:t>
+              <a:t>8/31/23</a:t>
             </a:fld>
             <a:endParaRPr lang="en-US" dirty="0"/>
           </a:p>
@@ -2119,7 +2119,7 @@
           <a:p>
             <a:fld id="{87DE6118-2437-4B30-8E3C-4D2BE6020583}" type="datetimeFigureOut">
               <a:rPr lang="en-US" smtClean="0"/>
-              <a:t>8/19/23</a:t>
+              <a:t>8/31/23</a:t>
             </a:fld>
             <a:endParaRPr lang="en-US" dirty="0"/>
           </a:p>
@@ -2237,7 +2237,7 @@
           <a:p>
             <a:fld id="{87DE6118-2437-4B30-8E3C-4D2BE6020583}" type="datetimeFigureOut">
               <a:rPr lang="en-US" smtClean="0"/>
-              <a:t>8/19/23</a:t>
+              <a:t>8/31/23</a:t>
             </a:fld>
             <a:endParaRPr lang="en-US" dirty="0"/>
           </a:p>
@@ -2332,7 +2332,7 @@
           <a:p>
             <a:fld id="{87DE6118-2437-4B30-8E3C-4D2BE6020583}" type="datetimeFigureOut">
               <a:rPr lang="en-US" smtClean="0"/>
-              <a:t>8/19/23</a:t>
+              <a:t>8/31/23</a:t>
             </a:fld>
             <a:endParaRPr lang="en-US" dirty="0"/>
           </a:p>
@@ -2679,7 +2679,7 @@
             <a:fld id="{87DE6118-2437-4B30-8E3C-4D2BE6020583}" type="datetimeFigureOut">
               <a:rPr lang="en-US" smtClean="0"/>
               <a:pPr/>
-              <a:t>8/19/23</a:t>
+              <a:t>8/31/23</a:t>
             </a:fld>
             <a:endParaRPr lang="en-US" dirty="0"/>
           </a:p>
@@ -3069,7 +3069,7 @@
             <a:fld id="{87DE6118-2437-4B30-8E3C-4D2BE6020583}" type="datetimeFigureOut">
               <a:rPr lang="en-US" smtClean="0"/>
               <a:pPr/>
-              <a:t>8/19/23</a:t>
+              <a:t>8/31/23</a:t>
             </a:fld>
             <a:endParaRPr lang="en-US" dirty="0"/>
           </a:p>
@@ -3349,7 +3349,7 @@
             <a:fld id="{87DE6118-2437-4B30-8E3C-4D2BE6020583}" type="datetimeFigureOut">
               <a:rPr lang="en-US" smtClean="0"/>
               <a:pPr/>
-              <a:t>8/19/23</a:t>
+              <a:t>8/31/23</a:t>
             </a:fld>
             <a:endParaRPr lang="en-US" dirty="0"/>
           </a:p>
@@ -4158,6 +4158,53 @@
           </a:extLst>
         </p:spPr>
       </p:pic>
+      <p:pic>
+        <p:nvPicPr>
+          <p:cNvPr id="1026" name="Picture 2" descr="What is Machine Learning Course| Its Importance and Types-FORE">
+            <a:extLst>
+              <a:ext uri="{FF2B5EF4-FFF2-40B4-BE49-F238E27FC236}">
+                <a16:creationId xmlns:a16="http://schemas.microsoft.com/office/drawing/2014/main" id="{6811A575-3237-8A32-420A-11D8F47D549B}"/>
+              </a:ext>
+            </a:extLst>
+          </p:cNvPr>
+          <p:cNvPicPr>
+            <a:picLocks noChangeAspect="1" noChangeArrowheads="1"/>
+          </p:cNvPicPr>
+          <p:nvPr/>
+        </p:nvPicPr>
+        <p:blipFill>
+          <a:blip r:embed="rId4">
+            <a:extLst>
+              <a:ext uri="{28A0092B-C50C-407E-A947-70E740481C1C}">
+                <a14:useLocalDpi xmlns:a14="http://schemas.microsoft.com/office/drawing/2010/main" val="0"/>
+              </a:ext>
+            </a:extLst>
+          </a:blip>
+          <a:srcRect/>
+          <a:stretch>
+            <a:fillRect/>
+          </a:stretch>
+        </p:blipFill>
+        <p:spPr bwMode="auto">
+          <a:xfrm>
+            <a:off x="2053884" y="1556354"/>
+            <a:ext cx="8236631" cy="5040692"/>
+          </a:xfrm>
+          <a:prstGeom prst="rect">
+            <a:avLst/>
+          </a:prstGeom>
+          <a:noFill/>
+          <a:extLst>
+            <a:ext uri="{909E8E84-426E-40DD-AFC4-6F175D3DCCD1}">
+              <a14:hiddenFill xmlns:a14="http://schemas.microsoft.com/office/drawing/2010/main">
+                <a:solidFill>
+                  <a:srgbClr val="FFFFFF"/>
+                </a:solidFill>
+              </a14:hiddenFill>
+            </a:ext>
+          </a:extLst>
+        </p:spPr>
+      </p:pic>
     </p:spTree>
     <p:extLst>
       <p:ext uri="{BB962C8B-B14F-4D97-AF65-F5344CB8AC3E}">
